--- a/lectures/20.components/components.pptx
+++ b/lectures/20.components/components.pptx
@@ -5,7 +5,7 @@
     <p:sldMasterId id="2147483648" r:id="rId1"/>
   </p:sldMasterIdLst>
   <p:notesMasterIdLst>
-    <p:notesMasterId r:id="rId24"/>
+    <p:notesMasterId r:id="rId25"/>
   </p:notesMasterIdLst>
   <p:sldIdLst>
     <p:sldId id="256" r:id="rId2"/>
@@ -30,6 +30,7 @@
     <p:sldId id="275" r:id="rId21"/>
     <p:sldId id="277" r:id="rId22"/>
     <p:sldId id="276" r:id="rId23"/>
+    <p:sldId id="278" r:id="rId24"/>
   </p:sldIdLst>
   <p:sldSz cx="12192000" cy="6858000"/>
   <p:notesSz cx="6858000" cy="9144000"/>
@@ -128,6 +129,11 @@
       </a:defRPr>
     </a:lvl9pPr>
   </p:defaultTextStyle>
+  <p:extLst>
+    <p:ext uri="{EFAFB233-063F-42B5-8137-9DF3F51BA10A}">
+      <p15:sldGuideLst xmlns:p15="http://schemas.microsoft.com/office/powerpoint/2012/main"/>
+    </p:ext>
+  </p:extLst>
 </p:presentation>
 </file>
 
@@ -5504,7 +5510,10 @@
           <a:bodyPr/>
           <a:lstStyle/>
           <a:p>
-            <a:endParaRPr lang="ru-RU"/>
+            <a:r>
+              <a:rPr lang="ru-RU" dirty="0"/>
+              <a:t>Сочетаемость компонентов</a:t>
+            </a:r>
           </a:p>
         </p:txBody>
       </p:sp>
@@ -7603,8 +7612,8 @@
           </a:extLst>
         </p:spPr>
       </p:pic>
-      <mc:AlternateContent xmlns:mc="http://schemas.openxmlformats.org/markup-compatibility/2006">
-        <mc:Choice xmlns:a14="http://schemas.microsoft.com/office/drawing/2010/main" Requires="a14">
+      <mc:AlternateContent xmlns:mc="http://schemas.openxmlformats.org/markup-compatibility/2006" xmlns:a14="http://schemas.microsoft.com/office/drawing/2010/main">
+        <mc:Choice Requires="a14">
           <p:sp>
             <p:nvSpPr>
               <p:cNvPr id="5" name="Rectangle 4">
@@ -7763,7 +7772,7 @@
             </p:txBody>
           </p:sp>
         </mc:Choice>
-        <mc:Fallback>
+        <mc:Fallback xmlns="">
           <p:sp>
             <p:nvSpPr>
               <p:cNvPr id="5" name="Rectangle 4">
@@ -7808,8 +7817,8 @@
           </p:sp>
         </mc:Fallback>
       </mc:AlternateContent>
-      <mc:AlternateContent xmlns:mc="http://schemas.openxmlformats.org/markup-compatibility/2006">
-        <mc:Choice xmlns:a14="http://schemas.microsoft.com/office/drawing/2010/main" Requires="a14">
+      <mc:AlternateContent xmlns:mc="http://schemas.openxmlformats.org/markup-compatibility/2006" xmlns:a14="http://schemas.microsoft.com/office/drawing/2010/main">
+        <mc:Choice Requires="a14">
           <p:sp>
             <p:nvSpPr>
               <p:cNvPr id="6" name="Rectangle 5">
@@ -7837,6 +7846,7 @@
               </a:bodyPr>
               <a:lstStyle/>
               <a:p>
+                <a:pPr/>
                 <a14:m>
                   <m:oMathPara xmlns:m="http://schemas.openxmlformats.org/officeDocument/2006/math">
                     <m:oMathParaPr>
@@ -7955,6 +7965,7 @@
                 <a:endParaRPr lang="en-US" dirty="0"/>
               </a:p>
               <a:p>
+                <a:pPr/>
                 <a14:m>
                   <m:oMathPara xmlns:m="http://schemas.openxmlformats.org/officeDocument/2006/math">
                     <m:oMathParaPr>
@@ -8073,6 +8084,7 @@
                 <a:endParaRPr lang="en-US" dirty="0"/>
               </a:p>
               <a:p>
+                <a:pPr/>
                 <a14:m>
                   <m:oMathPara xmlns:m="http://schemas.openxmlformats.org/officeDocument/2006/math">
                     <m:oMathParaPr>
@@ -8136,7 +8148,7 @@
             </p:txBody>
           </p:sp>
         </mc:Choice>
-        <mc:Fallback>
+        <mc:Fallback xmlns="">
           <p:sp>
             <p:nvSpPr>
               <p:cNvPr id="6" name="Rectangle 5">
@@ -8181,8 +8193,8 @@
           </p:sp>
         </mc:Fallback>
       </mc:AlternateContent>
-      <mc:AlternateContent xmlns:mc="http://schemas.openxmlformats.org/markup-compatibility/2006">
-        <mc:Choice xmlns:a14="http://schemas.microsoft.com/office/drawing/2010/main" Requires="a14">
+      <mc:AlternateContent xmlns:mc="http://schemas.openxmlformats.org/markup-compatibility/2006" xmlns:a14="http://schemas.microsoft.com/office/drawing/2010/main">
+        <mc:Choice Requires="a14">
           <p:sp>
             <p:nvSpPr>
               <p:cNvPr id="8" name="Rectangle 7">
@@ -8345,7 +8357,7 @@
             </p:txBody>
           </p:sp>
         </mc:Choice>
-        <mc:Fallback>
+        <mc:Fallback xmlns="">
           <p:sp>
             <p:nvSpPr>
               <p:cNvPr id="8" name="Rectangle 7">
@@ -8390,8 +8402,8 @@
           </p:sp>
         </mc:Fallback>
       </mc:AlternateContent>
-      <mc:AlternateContent xmlns:mc="http://schemas.openxmlformats.org/markup-compatibility/2006">
-        <mc:Choice xmlns:a14="http://schemas.microsoft.com/office/drawing/2010/main" Requires="a14">
+      <mc:AlternateContent xmlns:mc="http://schemas.openxmlformats.org/markup-compatibility/2006" xmlns:a14="http://schemas.microsoft.com/office/drawing/2010/main">
+        <mc:Choice Requires="a14">
           <p:sp>
             <p:nvSpPr>
               <p:cNvPr id="9" name="Rectangle 8">
@@ -8548,7 +8560,7 @@
             </p:txBody>
           </p:sp>
         </mc:Choice>
-        <mc:Fallback>
+        <mc:Fallback xmlns="">
           <p:sp>
             <p:nvSpPr>
               <p:cNvPr id="9" name="Rectangle 8">
@@ -9561,6 +9573,97 @@
 </p:sld>
 </file>
 
+<file path=ppt/slides/slide23.xml><?xml version="1.0" encoding="utf-8"?>
+<p:sld xmlns:a="http://schemas.openxmlformats.org/drawingml/2006/main" xmlns:r="http://schemas.openxmlformats.org/officeDocument/2006/relationships" xmlns:p="http://schemas.openxmlformats.org/presentationml/2006/main">
+  <p:cSld>
+    <p:spTree>
+      <p:nvGrpSpPr>
+        <p:cNvPr id="1" name=""/>
+        <p:cNvGrpSpPr/>
+        <p:nvPr/>
+      </p:nvGrpSpPr>
+      <p:grpSpPr>
+        <a:xfrm>
+          <a:off x="0" y="0"/>
+          <a:ext cx="0" cy="0"/>
+          <a:chOff x="0" y="0"/>
+          <a:chExt cx="0" cy="0"/>
+        </a:xfrm>
+      </p:grpSpPr>
+      <p:sp>
+        <p:nvSpPr>
+          <p:cNvPr id="2" name="Title 1">
+            <a:extLst>
+              <a:ext uri="{FF2B5EF4-FFF2-40B4-BE49-F238E27FC236}">
+                <a16:creationId xmlns:a16="http://schemas.microsoft.com/office/drawing/2014/main" id="{E4CCDC6B-F084-42D4-8AD2-FBB73383C012}"/>
+              </a:ext>
+            </a:extLst>
+          </p:cNvPr>
+          <p:cNvSpPr>
+            <a:spLocks noGrp="1"/>
+          </p:cNvSpPr>
+          <p:nvPr>
+            <p:ph type="title"/>
+          </p:nvPr>
+        </p:nvSpPr>
+        <p:spPr/>
+        <p:txBody>
+          <a:bodyPr/>
+          <a:lstStyle/>
+          <a:p>
+            <a:r>
+              <a:rPr lang="ru-RU" dirty="0"/>
+              <a:t>Литература</a:t>
+            </a:r>
+          </a:p>
+        </p:txBody>
+      </p:sp>
+      <p:sp>
+        <p:nvSpPr>
+          <p:cNvPr id="3" name="Content Placeholder 2">
+            <a:extLst>
+              <a:ext uri="{FF2B5EF4-FFF2-40B4-BE49-F238E27FC236}">
+                <a16:creationId xmlns:a16="http://schemas.microsoft.com/office/drawing/2014/main" id="{3CFA552F-CD26-4245-8908-C63F8EEFD4FE}"/>
+              </a:ext>
+            </a:extLst>
+          </p:cNvPr>
+          <p:cNvSpPr>
+            <a:spLocks noGrp="1"/>
+          </p:cNvSpPr>
+          <p:nvPr>
+            <p:ph idx="1"/>
+          </p:nvPr>
+        </p:nvSpPr>
+        <p:spPr/>
+        <p:txBody>
+          <a:bodyPr/>
+          <a:lstStyle/>
+          <a:p>
+            <a:r>
+              <a:rPr lang="ru-RU" dirty="0"/>
+              <a:t>Роберт Мартин. </a:t>
+            </a:r>
+            <a:r>
+              <a:rPr lang="ru-RU"/>
+              <a:t>Чистая архитектура</a:t>
+            </a:r>
+            <a:endParaRPr lang="ru-RU" dirty="0"/>
+          </a:p>
+        </p:txBody>
+      </p:sp>
+    </p:spTree>
+    <p:extLst>
+      <p:ext uri="{BB962C8B-B14F-4D97-AF65-F5344CB8AC3E}">
+        <p14:creationId xmlns:p14="http://schemas.microsoft.com/office/powerpoint/2010/main" val="896718704"/>
+      </p:ext>
+    </p:extLst>
+  </p:cSld>
+  <p:clrMapOvr>
+    <a:masterClrMapping/>
+  </p:clrMapOvr>
+</p:sld>
+</file>
+
 <file path=ppt/slides/slide3.xml><?xml version="1.0" encoding="utf-8"?>
 <p:sld xmlns:a="http://schemas.openxmlformats.org/drawingml/2006/main" xmlns:r="http://schemas.openxmlformats.org/officeDocument/2006/relationships" xmlns:p="http://schemas.openxmlformats.org/presentationml/2006/main">
   <p:cSld>
@@ -9786,8 +9889,8 @@
           </a:p>
         </p:txBody>
       </p:sp>
-      <mc:AlternateContent xmlns:mc="http://schemas.openxmlformats.org/markup-compatibility/2006">
-        <mc:Choice xmlns:a14="http://schemas.microsoft.com/office/drawing/2010/main" Requires="a14">
+      <mc:AlternateContent xmlns:mc="http://schemas.openxmlformats.org/markup-compatibility/2006" xmlns:a14="http://schemas.microsoft.com/office/drawing/2010/main">
+        <mc:Choice Requires="a14">
           <p:sp>
             <p:nvSpPr>
               <p:cNvPr id="3" name="Content Placeholder 2">
@@ -9997,7 +10100,7 @@
             </p:txBody>
           </p:sp>
         </mc:Choice>
-        <mc:Fallback>
+        <mc:Fallback xmlns="">
           <p:sp>
             <p:nvSpPr>
               <p:cNvPr id="3" name="Content Placeholder 2">
@@ -10530,8 +10633,8 @@
           </a:extLst>
         </p:spPr>
       </p:pic>
-      <mc:AlternateContent xmlns:mc="http://schemas.openxmlformats.org/markup-compatibility/2006">
-        <mc:Choice xmlns:a14="http://schemas.microsoft.com/office/drawing/2010/main" Requires="a14">
+      <mc:AlternateContent xmlns:mc="http://schemas.openxmlformats.org/markup-compatibility/2006" xmlns:a14="http://schemas.microsoft.com/office/drawing/2010/main">
+        <mc:Choice Requires="a14">
           <p:sp>
             <p:nvSpPr>
               <p:cNvPr id="5" name="Rectangle 4">
@@ -10666,7 +10769,7 @@
             </p:txBody>
           </p:sp>
         </mc:Choice>
-        <mc:Fallback>
+        <mc:Fallback xmlns="">
           <p:sp>
             <p:nvSpPr>
               <p:cNvPr id="5" name="Rectangle 4">
@@ -10711,8 +10814,8 @@
           </p:sp>
         </mc:Fallback>
       </mc:AlternateContent>
-      <mc:AlternateContent xmlns:mc="http://schemas.openxmlformats.org/markup-compatibility/2006">
-        <mc:Choice xmlns:a14="http://schemas.microsoft.com/office/drawing/2010/main" Requires="a14">
+      <mc:AlternateContent xmlns:mc="http://schemas.openxmlformats.org/markup-compatibility/2006" xmlns:a14="http://schemas.microsoft.com/office/drawing/2010/main">
+        <mc:Choice Requires="a14">
           <p:sp>
             <p:nvSpPr>
               <p:cNvPr id="6" name="Rectangle 5">
@@ -10740,6 +10843,7 @@
               </a:bodyPr>
               <a:lstStyle/>
               <a:p>
+                <a:pPr/>
                 <a14:m>
                   <m:oMathPara xmlns:m="http://schemas.openxmlformats.org/officeDocument/2006/math">
                     <m:oMathParaPr>
@@ -10860,7 +10964,7 @@
             </p:txBody>
           </p:sp>
         </mc:Choice>
-        <mc:Fallback>
+        <mc:Fallback xmlns="">
           <p:sp>
             <p:nvSpPr>
               <p:cNvPr id="6" name="Rectangle 5">
@@ -10905,8 +11009,8 @@
           </p:sp>
         </mc:Fallback>
       </mc:AlternateContent>
-      <mc:AlternateContent xmlns:mc="http://schemas.openxmlformats.org/markup-compatibility/2006">
-        <mc:Choice xmlns:a14="http://schemas.microsoft.com/office/drawing/2010/main" Requires="a14">
+      <mc:AlternateContent xmlns:mc="http://schemas.openxmlformats.org/markup-compatibility/2006" xmlns:a14="http://schemas.microsoft.com/office/drawing/2010/main">
+        <mc:Choice Requires="a14">
           <p:sp>
             <p:nvSpPr>
               <p:cNvPr id="8" name="Rectangle 7">
@@ -11041,7 +11145,7 @@
             </p:txBody>
           </p:sp>
         </mc:Choice>
-        <mc:Fallback>
+        <mc:Fallback xmlns="">
           <p:sp>
             <p:nvSpPr>
               <p:cNvPr id="8" name="Rectangle 7">
@@ -11086,8 +11190,8 @@
           </p:sp>
         </mc:Fallback>
       </mc:AlternateContent>
-      <mc:AlternateContent xmlns:mc="http://schemas.openxmlformats.org/markup-compatibility/2006">
-        <mc:Choice xmlns:a14="http://schemas.microsoft.com/office/drawing/2010/main" Requires="a14">
+      <mc:AlternateContent xmlns:mc="http://schemas.openxmlformats.org/markup-compatibility/2006" xmlns:a14="http://schemas.microsoft.com/office/drawing/2010/main">
+        <mc:Choice Requires="a14">
           <p:sp>
             <p:nvSpPr>
               <p:cNvPr id="9" name="Rectangle 8">
@@ -11216,7 +11320,7 @@
             </p:txBody>
           </p:sp>
         </mc:Choice>
-        <mc:Fallback>
+        <mc:Fallback xmlns="">
           <p:sp>
             <p:nvSpPr>
               <p:cNvPr id="9" name="Rectangle 8">
@@ -11812,8 +11916,8 @@
           </a:prstGeom>
         </p:spPr>
       </p:pic>
-      <mc:AlternateContent xmlns:mc="http://schemas.openxmlformats.org/markup-compatibility/2006">
-        <mc:Choice xmlns:a14="http://schemas.microsoft.com/office/drawing/2010/main" Requires="a14">
+      <mc:AlternateContent xmlns:mc="http://schemas.openxmlformats.org/markup-compatibility/2006" xmlns:a14="http://schemas.microsoft.com/office/drawing/2010/main">
+        <mc:Choice Requires="a14">
           <p:sp>
             <p:nvSpPr>
               <p:cNvPr id="6" name="Rectangle 5">
@@ -11958,7 +12062,7 @@
             </p:txBody>
           </p:sp>
         </mc:Choice>
-        <mc:Fallback>
+        <mc:Fallback xmlns="">
           <p:sp>
             <p:nvSpPr>
               <p:cNvPr id="6" name="Rectangle 5">

--- a/lectures/20.components/components.pptx
+++ b/lectures/20.components/components.pptx
@@ -219,7 +219,7 @@
           <a:p>
             <a:fld id="{47E87FD2-928E-419E-A8F5-B4E5C37217A1}" type="datetimeFigureOut">
               <a:rPr lang="ru-RU" smtClean="0"/>
-              <a:t>22.12.2023</a:t>
+              <a:t>27.01.2024</a:t>
             </a:fld>
             <a:endParaRPr lang="ru-RU"/>
           </a:p>
@@ -2403,7 +2403,7 @@
           <a:p>
             <a:fld id="{9ECD18C9-1F9A-42D1-A81A-E1E244E22AD8}" type="datetimeFigureOut">
               <a:rPr lang="ru-RU" smtClean="0"/>
-              <a:t>22.12.2023</a:t>
+              <a:t>27.01.2024</a:t>
             </a:fld>
             <a:endParaRPr lang="ru-RU"/>
           </a:p>
@@ -2603,7 +2603,7 @@
           <a:p>
             <a:fld id="{9ECD18C9-1F9A-42D1-A81A-E1E244E22AD8}" type="datetimeFigureOut">
               <a:rPr lang="ru-RU" smtClean="0"/>
-              <a:t>22.12.2023</a:t>
+              <a:t>27.01.2024</a:t>
             </a:fld>
             <a:endParaRPr lang="ru-RU"/>
           </a:p>
@@ -2813,7 +2813,7 @@
           <a:p>
             <a:fld id="{9ECD18C9-1F9A-42D1-A81A-E1E244E22AD8}" type="datetimeFigureOut">
               <a:rPr lang="ru-RU" smtClean="0"/>
-              <a:t>22.12.2023</a:t>
+              <a:t>27.01.2024</a:t>
             </a:fld>
             <a:endParaRPr lang="ru-RU"/>
           </a:p>
@@ -3013,7 +3013,7 @@
           <a:p>
             <a:fld id="{9ECD18C9-1F9A-42D1-A81A-E1E244E22AD8}" type="datetimeFigureOut">
               <a:rPr lang="ru-RU" smtClean="0"/>
-              <a:t>22.12.2023</a:t>
+              <a:t>27.01.2024</a:t>
             </a:fld>
             <a:endParaRPr lang="ru-RU"/>
           </a:p>
@@ -3289,7 +3289,7 @@
           <a:p>
             <a:fld id="{9ECD18C9-1F9A-42D1-A81A-E1E244E22AD8}" type="datetimeFigureOut">
               <a:rPr lang="ru-RU" smtClean="0"/>
-              <a:t>22.12.2023</a:t>
+              <a:t>27.01.2024</a:t>
             </a:fld>
             <a:endParaRPr lang="ru-RU"/>
           </a:p>
@@ -3557,7 +3557,7 @@
           <a:p>
             <a:fld id="{9ECD18C9-1F9A-42D1-A81A-E1E244E22AD8}" type="datetimeFigureOut">
               <a:rPr lang="ru-RU" smtClean="0"/>
-              <a:t>22.12.2023</a:t>
+              <a:t>27.01.2024</a:t>
             </a:fld>
             <a:endParaRPr lang="ru-RU"/>
           </a:p>
@@ -3972,7 +3972,7 @@
           <a:p>
             <a:fld id="{9ECD18C9-1F9A-42D1-A81A-E1E244E22AD8}" type="datetimeFigureOut">
               <a:rPr lang="ru-RU" smtClean="0"/>
-              <a:t>22.12.2023</a:t>
+              <a:t>27.01.2024</a:t>
             </a:fld>
             <a:endParaRPr lang="ru-RU"/>
           </a:p>
@@ -4114,7 +4114,7 @@
           <a:p>
             <a:fld id="{9ECD18C9-1F9A-42D1-A81A-E1E244E22AD8}" type="datetimeFigureOut">
               <a:rPr lang="ru-RU" smtClean="0"/>
-              <a:t>22.12.2023</a:t>
+              <a:t>27.01.2024</a:t>
             </a:fld>
             <a:endParaRPr lang="ru-RU"/>
           </a:p>
@@ -4227,7 +4227,7 @@
           <a:p>
             <a:fld id="{9ECD18C9-1F9A-42D1-A81A-E1E244E22AD8}" type="datetimeFigureOut">
               <a:rPr lang="ru-RU" smtClean="0"/>
-              <a:t>22.12.2023</a:t>
+              <a:t>27.01.2024</a:t>
             </a:fld>
             <a:endParaRPr lang="ru-RU"/>
           </a:p>
@@ -4540,7 +4540,7 @@
           <a:p>
             <a:fld id="{9ECD18C9-1F9A-42D1-A81A-E1E244E22AD8}" type="datetimeFigureOut">
               <a:rPr lang="ru-RU" smtClean="0"/>
-              <a:t>22.12.2023</a:t>
+              <a:t>27.01.2024</a:t>
             </a:fld>
             <a:endParaRPr lang="ru-RU"/>
           </a:p>
@@ -4829,7 +4829,7 @@
           <a:p>
             <a:fld id="{9ECD18C9-1F9A-42D1-A81A-E1E244E22AD8}" type="datetimeFigureOut">
               <a:rPr lang="ru-RU" smtClean="0"/>
-              <a:t>22.12.2023</a:t>
+              <a:t>27.01.2024</a:t>
             </a:fld>
             <a:endParaRPr lang="ru-RU"/>
           </a:p>
@@ -5072,7 +5072,7 @@
           <a:p>
             <a:fld id="{9ECD18C9-1F9A-42D1-A81A-E1E244E22AD8}" type="datetimeFigureOut">
               <a:rPr lang="ru-RU" smtClean="0"/>
-              <a:t>22.12.2023</a:t>
+              <a:t>27.01.2024</a:t>
             </a:fld>
             <a:endParaRPr lang="ru-RU"/>
           </a:p>
@@ -5489,6 +5489,111 @@
           <a:chExt cx="0" cy="0"/>
         </a:xfrm>
       </p:grpSpPr>
+      <p:pic>
+        <p:nvPicPr>
+          <p:cNvPr id="5" name="Рисунок 4">
+            <a:extLst>
+              <a:ext uri="{FF2B5EF4-FFF2-40B4-BE49-F238E27FC236}">
+                <a16:creationId xmlns:a16="http://schemas.microsoft.com/office/drawing/2014/main" id="{36267326-4413-4131-8D5E-490CCDAF45E9}"/>
+              </a:ext>
+            </a:extLst>
+          </p:cNvPr>
+          <p:cNvPicPr>
+            <a:picLocks noChangeAspect="1"/>
+          </p:cNvPicPr>
+          <p:nvPr/>
+        </p:nvPicPr>
+        <p:blipFill>
+          <a:blip r:embed="rId2">
+            <a:extLst>
+              <a:ext uri="{BEBA8EAE-BF5A-486C-A8C5-ECC9F3942E4B}">
+                <a14:imgProps xmlns:a14="http://schemas.microsoft.com/office/drawing/2010/main">
+                  <a14:imgLayer r:embed="rId3">
+                    <a14:imgEffect>
+                      <a14:brightnessContrast bright="-40000"/>
+                    </a14:imgEffect>
+                  </a14:imgLayer>
+                </a14:imgProps>
+              </a:ext>
+              <a:ext uri="{28A0092B-C50C-407E-A947-70E740481C1C}">
+                <a14:useLocalDpi xmlns:a14="http://schemas.microsoft.com/office/drawing/2010/main" val="0"/>
+              </a:ext>
+            </a:extLst>
+          </a:blip>
+          <a:stretch>
+            <a:fillRect/>
+          </a:stretch>
+        </p:blipFill>
+        <p:spPr>
+          <a:xfrm>
+            <a:off x="-56668" y="-86810"/>
+            <a:ext cx="12305336" cy="7031620"/>
+          </a:xfrm>
+          <a:prstGeom prst="rect">
+            <a:avLst/>
+          </a:prstGeom>
+        </p:spPr>
+      </p:pic>
+      <p:pic>
+        <p:nvPicPr>
+          <p:cNvPr id="7" name="Рисунок 6">
+            <a:extLst>
+              <a:ext uri="{FF2B5EF4-FFF2-40B4-BE49-F238E27FC236}">
+                <a16:creationId xmlns:a16="http://schemas.microsoft.com/office/drawing/2014/main" id="{884650C6-7472-4F11-9959-AA4653AF6698}"/>
+              </a:ext>
+            </a:extLst>
+          </p:cNvPr>
+          <p:cNvPicPr>
+            <a:picLocks noChangeAspect="1"/>
+          </p:cNvPicPr>
+          <p:nvPr/>
+        </p:nvPicPr>
+        <p:blipFill>
+          <a:blip r:embed="rId4">
+            <a:extLst>
+              <a:ext uri="{28A0092B-C50C-407E-A947-70E740481C1C}">
+                <a14:useLocalDpi xmlns:a14="http://schemas.microsoft.com/office/drawing/2010/main" val="0"/>
+              </a:ext>
+            </a:extLst>
+          </a:blip>
+          <a:stretch>
+            <a:fillRect/>
+          </a:stretch>
+        </p:blipFill>
+        <p:spPr>
+          <a:xfrm>
+            <a:off x="7343171" y="1122363"/>
+            <a:ext cx="4423137" cy="4423137"/>
+          </a:xfrm>
+          <a:prstGeom prst="roundRect">
+            <a:avLst>
+              <a:gd name="adj" fmla="val 7246"/>
+            </a:avLst>
+          </a:prstGeom>
+          <a:ln>
+            <a:noFill/>
+          </a:ln>
+          <a:effectLst>
+            <a:outerShdw blurRad="76200" dist="38100" dir="7800000" algn="tl" rotWithShape="0">
+              <a:srgbClr val="000000">
+                <a:alpha val="40000"/>
+              </a:srgbClr>
+            </a:outerShdw>
+          </a:effectLst>
+          <a:scene3d>
+            <a:camera prst="orthographicFront"/>
+            <a:lightRig rig="contrasting" dir="t">
+              <a:rot lat="0" lon="0" rev="4200000"/>
+            </a:lightRig>
+          </a:scene3d>
+          <a:sp3d prstMaterial="plastic">
+            <a:bevelT w="381000" h="114300" prst="relaxedInset"/>
+            <a:contourClr>
+              <a:srgbClr val="969696"/>
+            </a:contourClr>
+          </a:sp3d>
+        </p:spPr>
+      </p:pic>
       <p:sp>
         <p:nvSpPr>
           <p:cNvPr id="2" name="Title 1">
@@ -5505,40 +5610,35 @@
             <p:ph type="ctrTitle"/>
           </p:nvPr>
         </p:nvSpPr>
-        <p:spPr/>
-        <p:txBody>
-          <a:bodyPr/>
+        <p:spPr>
+          <a:xfrm>
+            <a:off x="354756" y="2274838"/>
+            <a:ext cx="6576992" cy="2308324"/>
+          </a:xfrm>
+        </p:spPr>
+        <p:txBody>
+          <a:bodyPr>
+            <a:spAutoFit/>
+          </a:bodyPr>
           <a:lstStyle/>
           <a:p>
-            <a:r>
-              <a:rPr lang="ru-RU" dirty="0"/>
+            <a:pPr algn="l"/>
+            <a:r>
+              <a:rPr lang="ru-RU" sz="8000" dirty="0">
+                <a:solidFill>
+                  <a:schemeClr val="bg1"/>
+                </a:solidFill>
+                <a:effectLst>
+                  <a:outerShdw blurRad="63500" sx="102000" sy="102000" algn="ctr" rotWithShape="0">
+                    <a:prstClr val="black">
+                      <a:alpha val="40000"/>
+                    </a:prstClr>
+                  </a:outerShdw>
+                </a:effectLst>
+                <a:latin typeface="Impact" panose="020B0806030902050204" pitchFamily="34" charset="0"/>
+              </a:rPr>
               <a:t>Сочетаемость компонентов</a:t>
             </a:r>
-          </a:p>
-        </p:txBody>
-      </p:sp>
-      <p:sp>
-        <p:nvSpPr>
-          <p:cNvPr id="3" name="Subtitle 2">
-            <a:extLst>
-              <a:ext uri="{FF2B5EF4-FFF2-40B4-BE49-F238E27FC236}">
-                <a16:creationId xmlns:a16="http://schemas.microsoft.com/office/drawing/2014/main" id="{F7D4A4A7-A674-4A51-94FC-D50398592BF5}"/>
-              </a:ext>
-            </a:extLst>
-          </p:cNvPr>
-          <p:cNvSpPr>
-            <a:spLocks noGrp="1"/>
-          </p:cNvSpPr>
-          <p:nvPr>
-            <p:ph type="subTitle" idx="1"/>
-          </p:nvPr>
-        </p:nvSpPr>
-        <p:spPr/>
-        <p:txBody>
-          <a:bodyPr/>
-          <a:lstStyle/>
-          <a:p>
-            <a:endParaRPr lang="ru-RU"/>
           </a:p>
         </p:txBody>
       </p:sp>

--- a/lectures/20.components/components.pptx
+++ b/lectures/20.components/components.pptx
@@ -8,7 +8,7 @@
     <p:notesMasterId r:id="rId25"/>
   </p:notesMasterIdLst>
   <p:sldIdLst>
-    <p:sldId id="256" r:id="rId2"/>
+    <p:sldId id="320" r:id="rId2"/>
     <p:sldId id="258" r:id="rId3"/>
     <p:sldId id="259" r:id="rId4"/>
     <p:sldId id="260" r:id="rId5"/>
@@ -219,7 +219,7 @@
           <a:p>
             <a:fld id="{47E87FD2-928E-419E-A8F5-B4E5C37217A1}" type="datetimeFigureOut">
               <a:rPr lang="ru-RU" smtClean="0"/>
-              <a:t>27.01.2024</a:t>
+              <a:t>27.12.2024</a:t>
             </a:fld>
             <a:endParaRPr lang="ru-RU"/>
           </a:p>
@@ -2403,7 +2403,7 @@
           <a:p>
             <a:fld id="{9ECD18C9-1F9A-42D1-A81A-E1E244E22AD8}" type="datetimeFigureOut">
               <a:rPr lang="ru-RU" smtClean="0"/>
-              <a:t>27.01.2024</a:t>
+              <a:t>27.12.2024</a:t>
             </a:fld>
             <a:endParaRPr lang="ru-RU"/>
           </a:p>
@@ -2603,7 +2603,7 @@
           <a:p>
             <a:fld id="{9ECD18C9-1F9A-42D1-A81A-E1E244E22AD8}" type="datetimeFigureOut">
               <a:rPr lang="ru-RU" smtClean="0"/>
-              <a:t>27.01.2024</a:t>
+              <a:t>27.12.2024</a:t>
             </a:fld>
             <a:endParaRPr lang="ru-RU"/>
           </a:p>
@@ -2813,7 +2813,7 @@
           <a:p>
             <a:fld id="{9ECD18C9-1F9A-42D1-A81A-E1E244E22AD8}" type="datetimeFigureOut">
               <a:rPr lang="ru-RU" smtClean="0"/>
-              <a:t>27.01.2024</a:t>
+              <a:t>27.12.2024</a:t>
             </a:fld>
             <a:endParaRPr lang="ru-RU"/>
           </a:p>
@@ -3013,7 +3013,7 @@
           <a:p>
             <a:fld id="{9ECD18C9-1F9A-42D1-A81A-E1E244E22AD8}" type="datetimeFigureOut">
               <a:rPr lang="ru-RU" smtClean="0"/>
-              <a:t>27.01.2024</a:t>
+              <a:t>27.12.2024</a:t>
             </a:fld>
             <a:endParaRPr lang="ru-RU"/>
           </a:p>
@@ -3289,7 +3289,7 @@
           <a:p>
             <a:fld id="{9ECD18C9-1F9A-42D1-A81A-E1E244E22AD8}" type="datetimeFigureOut">
               <a:rPr lang="ru-RU" smtClean="0"/>
-              <a:t>27.01.2024</a:t>
+              <a:t>27.12.2024</a:t>
             </a:fld>
             <a:endParaRPr lang="ru-RU"/>
           </a:p>
@@ -3557,7 +3557,7 @@
           <a:p>
             <a:fld id="{9ECD18C9-1F9A-42D1-A81A-E1E244E22AD8}" type="datetimeFigureOut">
               <a:rPr lang="ru-RU" smtClean="0"/>
-              <a:t>27.01.2024</a:t>
+              <a:t>27.12.2024</a:t>
             </a:fld>
             <a:endParaRPr lang="ru-RU"/>
           </a:p>
@@ -3972,7 +3972,7 @@
           <a:p>
             <a:fld id="{9ECD18C9-1F9A-42D1-A81A-E1E244E22AD8}" type="datetimeFigureOut">
               <a:rPr lang="ru-RU" smtClean="0"/>
-              <a:t>27.01.2024</a:t>
+              <a:t>27.12.2024</a:t>
             </a:fld>
             <a:endParaRPr lang="ru-RU"/>
           </a:p>
@@ -4114,7 +4114,7 @@
           <a:p>
             <a:fld id="{9ECD18C9-1F9A-42D1-A81A-E1E244E22AD8}" type="datetimeFigureOut">
               <a:rPr lang="ru-RU" smtClean="0"/>
-              <a:t>27.01.2024</a:t>
+              <a:t>27.12.2024</a:t>
             </a:fld>
             <a:endParaRPr lang="ru-RU"/>
           </a:p>
@@ -4227,7 +4227,7 @@
           <a:p>
             <a:fld id="{9ECD18C9-1F9A-42D1-A81A-E1E244E22AD8}" type="datetimeFigureOut">
               <a:rPr lang="ru-RU" smtClean="0"/>
-              <a:t>27.01.2024</a:t>
+              <a:t>27.12.2024</a:t>
             </a:fld>
             <a:endParaRPr lang="ru-RU"/>
           </a:p>
@@ -4540,7 +4540,7 @@
           <a:p>
             <a:fld id="{9ECD18C9-1F9A-42D1-A81A-E1E244E22AD8}" type="datetimeFigureOut">
               <a:rPr lang="ru-RU" smtClean="0"/>
-              <a:t>27.01.2024</a:t>
+              <a:t>27.12.2024</a:t>
             </a:fld>
             <a:endParaRPr lang="ru-RU"/>
           </a:p>
@@ -4829,7 +4829,7 @@
           <a:p>
             <a:fld id="{9ECD18C9-1F9A-42D1-A81A-E1E244E22AD8}" type="datetimeFigureOut">
               <a:rPr lang="ru-RU" smtClean="0"/>
-              <a:t>27.01.2024</a:t>
+              <a:t>27.12.2024</a:t>
             </a:fld>
             <a:endParaRPr lang="ru-RU"/>
           </a:p>
@@ -5072,7 +5072,7 @@
           <a:p>
             <a:fld id="{9ECD18C9-1F9A-42D1-A81A-E1E244E22AD8}" type="datetimeFigureOut">
               <a:rPr lang="ru-RU" smtClean="0"/>
-              <a:t>27.01.2024</a:t>
+              <a:t>27.12.2024</a:t>
             </a:fld>
             <a:endParaRPr lang="ru-RU"/>
           </a:p>
@@ -5491,10 +5491,10 @@
       </p:grpSpPr>
       <p:pic>
         <p:nvPicPr>
-          <p:cNvPr id="5" name="Рисунок 4">
+          <p:cNvPr id="5" name="Picture 4">
             <a:extLst>
               <a:ext uri="{FF2B5EF4-FFF2-40B4-BE49-F238E27FC236}">
-                <a16:creationId xmlns:a16="http://schemas.microsoft.com/office/drawing/2014/main" id="{36267326-4413-4131-8D5E-490CCDAF45E9}"/>
+                <a16:creationId xmlns:a16="http://schemas.microsoft.com/office/drawing/2014/main" id="{754E85F0-DCD6-42D1-0560-0E0070092A4A}"/>
               </a:ext>
             </a:extLst>
           </p:cNvPr>
@@ -5504,148 +5504,79 @@
           <p:nvPr/>
         </p:nvPicPr>
         <p:blipFill>
-          <a:blip r:embed="rId2">
-            <a:extLst>
-              <a:ext uri="{BEBA8EAE-BF5A-486C-A8C5-ECC9F3942E4B}">
-                <a14:imgProps xmlns:a14="http://schemas.microsoft.com/office/drawing/2010/main">
-                  <a14:imgLayer r:embed="rId3">
-                    <a14:imgEffect>
-                      <a14:brightnessContrast bright="-40000"/>
-                    </a14:imgEffect>
-                  </a14:imgLayer>
-                </a14:imgProps>
-              </a:ext>
-              <a:ext uri="{28A0092B-C50C-407E-A947-70E740481C1C}">
-                <a14:useLocalDpi xmlns:a14="http://schemas.microsoft.com/office/drawing/2010/main" val="0"/>
-              </a:ext>
-            </a:extLst>
-          </a:blip>
+          <a:blip r:embed="rId2"/>
           <a:stretch>
             <a:fillRect/>
           </a:stretch>
         </p:blipFill>
         <p:spPr>
           <a:xfrm>
-            <a:off x="-56668" y="-86810"/>
-            <a:ext cx="12305336" cy="7031620"/>
+            <a:off x="0" y="0"/>
+            <a:ext cx="12191999" cy="6858000"/>
           </a:xfrm>
           <a:prstGeom prst="rect">
             <a:avLst/>
           </a:prstGeom>
         </p:spPr>
       </p:pic>
-      <p:pic>
-        <p:nvPicPr>
-          <p:cNvPr id="7" name="Рисунок 6">
-            <a:extLst>
-              <a:ext uri="{FF2B5EF4-FFF2-40B4-BE49-F238E27FC236}">
-                <a16:creationId xmlns:a16="http://schemas.microsoft.com/office/drawing/2014/main" id="{884650C6-7472-4F11-9959-AA4653AF6698}"/>
-              </a:ext>
-            </a:extLst>
-          </p:cNvPr>
-          <p:cNvPicPr>
-            <a:picLocks noChangeAspect="1"/>
-          </p:cNvPicPr>
-          <p:nvPr/>
-        </p:nvPicPr>
-        <p:blipFill>
-          <a:blip r:embed="rId4">
-            <a:extLst>
-              <a:ext uri="{28A0092B-C50C-407E-A947-70E740481C1C}">
-                <a14:useLocalDpi xmlns:a14="http://schemas.microsoft.com/office/drawing/2010/main" val="0"/>
-              </a:ext>
-            </a:extLst>
-          </a:blip>
-          <a:stretch>
-            <a:fillRect/>
-          </a:stretch>
-        </p:blipFill>
+      <p:sp>
+        <p:nvSpPr>
+          <p:cNvPr id="2" name="Заголовок 1"/>
+          <p:cNvSpPr>
+            <a:spLocks noGrp="1"/>
+          </p:cNvSpPr>
+          <p:nvPr>
+            <p:ph type="ctrTitle"/>
+          </p:nvPr>
+        </p:nvSpPr>
         <p:spPr>
           <a:xfrm>
-            <a:off x="7343171" y="1122363"/>
-            <a:ext cx="4423137" cy="4423137"/>
-          </a:xfrm>
-          <a:prstGeom prst="roundRect">
-            <a:avLst>
-              <a:gd name="adj" fmla="val 7246"/>
-            </a:avLst>
-          </a:prstGeom>
-          <a:ln>
-            <a:noFill/>
-          </a:ln>
-          <a:effectLst>
-            <a:outerShdw blurRad="76200" dist="38100" dir="7800000" algn="tl" rotWithShape="0">
-              <a:srgbClr val="000000">
-                <a:alpha val="40000"/>
-              </a:srgbClr>
-            </a:outerShdw>
-          </a:effectLst>
-          <a:scene3d>
-            <a:camera prst="orthographicFront"/>
-            <a:lightRig rig="contrasting" dir="t">
-              <a:rot lat="0" lon="0" rev="4200000"/>
-            </a:lightRig>
-          </a:scene3d>
-          <a:sp3d prstMaterial="plastic">
-            <a:bevelT w="381000" h="114300" prst="relaxedInset"/>
-            <a:contourClr>
-              <a:srgbClr val="969696"/>
-            </a:contourClr>
-          </a:sp3d>
-        </p:spPr>
-      </p:pic>
-      <p:sp>
-        <p:nvSpPr>
-          <p:cNvPr id="2" name="Title 1">
-            <a:extLst>
-              <a:ext uri="{FF2B5EF4-FFF2-40B4-BE49-F238E27FC236}">
-                <a16:creationId xmlns:a16="http://schemas.microsoft.com/office/drawing/2014/main" id="{B68600E3-23D2-402E-9F1F-B3CAEC2184E1}"/>
-              </a:ext>
-            </a:extLst>
-          </p:cNvPr>
-          <p:cNvSpPr>
-            <a:spLocks noGrp="1"/>
-          </p:cNvSpPr>
-          <p:nvPr>
-            <p:ph type="ctrTitle"/>
-          </p:nvPr>
-        </p:nvSpPr>
-        <p:spPr>
-          <a:xfrm>
-            <a:off x="354756" y="2274838"/>
-            <a:ext cx="6576992" cy="2308324"/>
+            <a:off x="335360" y="1122362"/>
+            <a:ext cx="11521280" cy="3962822"/>
           </a:xfrm>
         </p:spPr>
         <p:txBody>
           <a:bodyPr>
-            <a:spAutoFit/>
+            <a:noAutofit/>
           </a:bodyPr>
           <a:lstStyle/>
           <a:p>
-            <a:pPr algn="l"/>
-            <a:r>
-              <a:rPr lang="ru-RU" sz="8000" dirty="0">
+            <a:r>
+              <a:rPr lang="ru-RU" sz="11500" dirty="0">
                 <a:solidFill>
                   <a:schemeClr val="bg1"/>
                 </a:solidFill>
                 <a:effectLst>
-                  <a:outerShdw blurRad="63500" sx="102000" sy="102000" algn="ctr" rotWithShape="0">
-                    <a:prstClr val="black">
-                      <a:alpha val="40000"/>
-                    </a:prstClr>
+                  <a:outerShdw blurRad="38100" dist="38100" dir="2700000" algn="tl">
+                    <a:srgbClr val="000000">
+                      <a:alpha val="43137"/>
+                    </a:srgbClr>
                   </a:outerShdw>
                 </a:effectLst>
                 <a:latin typeface="Impact" panose="020B0806030902050204" pitchFamily="34" charset="0"/>
               </a:rPr>
               <a:t>Сочетаемость компонентов</a:t>
             </a:r>
+            <a:endParaRPr lang="ru-RU" sz="13800" dirty="0">
+              <a:solidFill>
+                <a:schemeClr val="bg1"/>
+              </a:solidFill>
+              <a:effectLst>
+                <a:outerShdw blurRad="38100" dist="38100" dir="2700000" algn="tl">
+                  <a:srgbClr val="000000">
+                    <a:alpha val="43137"/>
+                  </a:srgbClr>
+                </a:outerShdw>
+              </a:effectLst>
+              <a:latin typeface="Impact" panose="020B0806030902050204" pitchFamily="34" charset="0"/>
+            </a:endParaRPr>
           </a:p>
         </p:txBody>
       </p:sp>
     </p:spTree>
     <p:extLst>
       <p:ext uri="{BB962C8B-B14F-4D97-AF65-F5344CB8AC3E}">
-        <p14:creationId xmlns:p14="http://schemas.microsoft.com/office/powerpoint/2010/main" val="653737899"/>
+        <p14:creationId xmlns:p14="http://schemas.microsoft.com/office/powerpoint/2010/main" val="1393050759"/>
       </p:ext>
     </p:extLst>
   </p:cSld>
